--- a/files/figures.pptx
+++ b/files/figures.pptx
@@ -5,7 +5,7 @@
     <p:sldMasterId id="2147483672" r:id="rId1"/>
   </p:sldMasterIdLst>
   <p:notesMasterIdLst>
-    <p:notesMasterId r:id="rId10"/>
+    <p:notesMasterId r:id="rId11"/>
   </p:notesMasterIdLst>
   <p:sldIdLst>
     <p:sldId id="260" r:id="rId2"/>
@@ -13,9 +13,10 @@
     <p:sldId id="264" r:id="rId4"/>
     <p:sldId id="267" r:id="rId5"/>
     <p:sldId id="261" r:id="rId6"/>
-    <p:sldId id="263" r:id="rId7"/>
-    <p:sldId id="266" r:id="rId8"/>
-    <p:sldId id="262" r:id="rId9"/>
+    <p:sldId id="266" r:id="rId7"/>
+    <p:sldId id="263" r:id="rId8"/>
+    <p:sldId id="268" r:id="rId9"/>
+    <p:sldId id="262" r:id="rId10"/>
   </p:sldIdLst>
   <p:sldSz cx="6858000" cy="9906000" type="A4"/>
   <p:notesSz cx="6858000" cy="9144000"/>
@@ -204,7 +205,7 @@
           <a:p>
             <a:fld id="{DD49E99B-5FC3-5749-8BEF-5E7A24BB1FD9}" type="datetimeFigureOut">
               <a:rPr lang="en-JP" smtClean="0"/>
-              <a:t>2021/02/18</a:t>
+              <a:t>2021/03/03</a:t>
             </a:fld>
             <a:endParaRPr lang="en-JP"/>
           </a:p>
@@ -966,7 +967,7 @@
     </p:spTree>
     <p:extLst>
       <p:ext uri="{BB962C8B-B14F-4D97-AF65-F5344CB8AC3E}">
-        <p14:creationId xmlns:p14="http://schemas.microsoft.com/office/powerpoint/2010/main" val="3179093978"/>
+        <p14:creationId xmlns:p14="http://schemas.microsoft.com/office/powerpoint/2010/main" val="3313198337"/>
       </p:ext>
     </p:extLst>
   </p:cSld>
@@ -1050,7 +1051,91 @@
     </p:spTree>
     <p:extLst>
       <p:ext uri="{BB962C8B-B14F-4D97-AF65-F5344CB8AC3E}">
-        <p14:creationId xmlns:p14="http://schemas.microsoft.com/office/powerpoint/2010/main" val="3313198337"/>
+        <p14:creationId xmlns:p14="http://schemas.microsoft.com/office/powerpoint/2010/main" val="3179093978"/>
+      </p:ext>
+    </p:extLst>
+  </p:cSld>
+  <p:clrMapOvr>
+    <a:masterClrMapping/>
+  </p:clrMapOvr>
+</p:notes>
+</file>
+
+<file path=ppt/notesSlides/notesSlide8.xml><?xml version="1.0" encoding="utf-8"?>
+<p:notes xmlns:a="http://schemas.openxmlformats.org/drawingml/2006/main" xmlns:r="http://schemas.openxmlformats.org/officeDocument/2006/relationships" xmlns:p="http://schemas.openxmlformats.org/presentationml/2006/main">
+  <p:cSld>
+    <p:spTree>
+      <p:nvGrpSpPr>
+        <p:cNvPr id="1" name=""/>
+        <p:cNvGrpSpPr/>
+        <p:nvPr/>
+      </p:nvGrpSpPr>
+      <p:grpSpPr>
+        <a:xfrm>
+          <a:off x="0" y="0"/>
+          <a:ext cx="0" cy="0"/>
+          <a:chOff x="0" y="0"/>
+          <a:chExt cx="0" cy="0"/>
+        </a:xfrm>
+      </p:grpSpPr>
+      <p:sp>
+        <p:nvSpPr>
+          <p:cNvPr id="2" name="Slide Image Placeholder 1"/>
+          <p:cNvSpPr>
+            <a:spLocks noGrp="1" noRot="1" noChangeAspect="1"/>
+          </p:cNvSpPr>
+          <p:nvPr>
+            <p:ph type="sldImg"/>
+          </p:nvPr>
+        </p:nvSpPr>
+        <p:spPr/>
+      </p:sp>
+      <p:sp>
+        <p:nvSpPr>
+          <p:cNvPr id="3" name="Notes Placeholder 2"/>
+          <p:cNvSpPr>
+            <a:spLocks noGrp="1"/>
+          </p:cNvSpPr>
+          <p:nvPr>
+            <p:ph type="body" idx="1"/>
+          </p:nvPr>
+        </p:nvSpPr>
+        <p:spPr/>
+        <p:txBody>
+          <a:bodyPr/>
+          <a:lstStyle/>
+          <a:p>
+            <a:endParaRPr lang="en-JP" dirty="0"/>
+          </a:p>
+        </p:txBody>
+      </p:sp>
+      <p:sp>
+        <p:nvSpPr>
+          <p:cNvPr id="4" name="Slide Number Placeholder 3"/>
+          <p:cNvSpPr>
+            <a:spLocks noGrp="1"/>
+          </p:cNvSpPr>
+          <p:nvPr>
+            <p:ph type="sldNum" sz="quarter" idx="5"/>
+          </p:nvPr>
+        </p:nvSpPr>
+        <p:spPr/>
+        <p:txBody>
+          <a:bodyPr/>
+          <a:lstStyle/>
+          <a:p>
+            <a:fld id="{7CC436D7-ECED-F544-A52B-C22C74B72B00}" type="slidenum">
+              <a:rPr lang="en-JP" smtClean="0"/>
+              <a:t>8</a:t>
+            </a:fld>
+            <a:endParaRPr lang="en-JP"/>
+          </a:p>
+        </p:txBody>
+      </p:sp>
+    </p:spTree>
+    <p:extLst>
+      <p:ext uri="{BB962C8B-B14F-4D97-AF65-F5344CB8AC3E}">
+        <p14:creationId xmlns:p14="http://schemas.microsoft.com/office/powerpoint/2010/main" val="134598525"/>
       </p:ext>
     </p:extLst>
   </p:cSld>
@@ -1191,7 +1276,7 @@
           <a:p>
             <a:fld id="{4FAAFE4D-1EDA-744D-B99E-CC22EA1AFE82}" type="datetimeFigureOut">
               <a:rPr lang="en-JP" smtClean="0"/>
-              <a:t>2021/02/18</a:t>
+              <a:t>2021/03/03</a:t>
             </a:fld>
             <a:endParaRPr lang="en-JP"/>
           </a:p>
@@ -1361,7 +1446,7 @@
           <a:p>
             <a:fld id="{4FAAFE4D-1EDA-744D-B99E-CC22EA1AFE82}" type="datetimeFigureOut">
               <a:rPr lang="en-JP" smtClean="0"/>
-              <a:t>2021/02/18</a:t>
+              <a:t>2021/03/03</a:t>
             </a:fld>
             <a:endParaRPr lang="en-JP"/>
           </a:p>
@@ -1541,7 +1626,7 @@
           <a:p>
             <a:fld id="{4FAAFE4D-1EDA-744D-B99E-CC22EA1AFE82}" type="datetimeFigureOut">
               <a:rPr lang="en-JP" smtClean="0"/>
-              <a:t>2021/02/18</a:t>
+              <a:t>2021/03/03</a:t>
             </a:fld>
             <a:endParaRPr lang="en-JP"/>
           </a:p>
@@ -1711,7 +1796,7 @@
           <a:p>
             <a:fld id="{4FAAFE4D-1EDA-744D-B99E-CC22EA1AFE82}" type="datetimeFigureOut">
               <a:rPr lang="en-JP" smtClean="0"/>
-              <a:t>2021/02/18</a:t>
+              <a:t>2021/03/03</a:t>
             </a:fld>
             <a:endParaRPr lang="en-JP"/>
           </a:p>
@@ -1955,7 +2040,7 @@
           <a:p>
             <a:fld id="{4FAAFE4D-1EDA-744D-B99E-CC22EA1AFE82}" type="datetimeFigureOut">
               <a:rPr lang="en-JP" smtClean="0"/>
-              <a:t>2021/02/18</a:t>
+              <a:t>2021/03/03</a:t>
             </a:fld>
             <a:endParaRPr lang="en-JP"/>
           </a:p>
@@ -2187,7 +2272,7 @@
           <a:p>
             <a:fld id="{4FAAFE4D-1EDA-744D-B99E-CC22EA1AFE82}" type="datetimeFigureOut">
               <a:rPr lang="en-JP" smtClean="0"/>
-              <a:t>2021/02/18</a:t>
+              <a:t>2021/03/03</a:t>
             </a:fld>
             <a:endParaRPr lang="en-JP"/>
           </a:p>
@@ -2554,7 +2639,7 @@
           <a:p>
             <a:fld id="{4FAAFE4D-1EDA-744D-B99E-CC22EA1AFE82}" type="datetimeFigureOut">
               <a:rPr lang="en-JP" smtClean="0"/>
-              <a:t>2021/02/18</a:t>
+              <a:t>2021/03/03</a:t>
             </a:fld>
             <a:endParaRPr lang="en-JP"/>
           </a:p>
@@ -2672,7 +2757,7 @@
           <a:p>
             <a:fld id="{4FAAFE4D-1EDA-744D-B99E-CC22EA1AFE82}" type="datetimeFigureOut">
               <a:rPr lang="en-JP" smtClean="0"/>
-              <a:t>2021/02/18</a:t>
+              <a:t>2021/03/03</a:t>
             </a:fld>
             <a:endParaRPr lang="en-JP"/>
           </a:p>
@@ -2767,7 +2852,7 @@
           <a:p>
             <a:fld id="{4FAAFE4D-1EDA-744D-B99E-CC22EA1AFE82}" type="datetimeFigureOut">
               <a:rPr lang="en-JP" smtClean="0"/>
-              <a:t>2021/02/18</a:t>
+              <a:t>2021/03/03</a:t>
             </a:fld>
             <a:endParaRPr lang="en-JP"/>
           </a:p>
@@ -3044,7 +3129,7 @@
           <a:p>
             <a:fld id="{4FAAFE4D-1EDA-744D-B99E-CC22EA1AFE82}" type="datetimeFigureOut">
               <a:rPr lang="en-JP" smtClean="0"/>
-              <a:t>2021/02/18</a:t>
+              <a:t>2021/03/03</a:t>
             </a:fld>
             <a:endParaRPr lang="en-JP"/>
           </a:p>
@@ -3301,7 +3386,7 @@
           <a:p>
             <a:fld id="{4FAAFE4D-1EDA-744D-B99E-CC22EA1AFE82}" type="datetimeFigureOut">
               <a:rPr lang="en-JP" smtClean="0"/>
-              <a:t>2021/02/18</a:t>
+              <a:t>2021/03/03</a:t>
             </a:fld>
             <a:endParaRPr lang="en-JP"/>
           </a:p>
@@ -3514,7 +3599,7 @@
           <a:p>
             <a:fld id="{4FAAFE4D-1EDA-744D-B99E-CC22EA1AFE82}" type="datetimeFigureOut">
               <a:rPr lang="en-JP" smtClean="0"/>
-              <a:t>2021/02/18</a:t>
+              <a:t>2021/03/03</a:t>
             </a:fld>
             <a:endParaRPr lang="en-JP"/>
           </a:p>
@@ -21549,7 +21634,7 @@
                 <a:latin typeface="Hiragino Kaku Gothic ProN W6" panose="020B0300000000000000" pitchFamily="34" charset="-128"/>
                 <a:ea typeface="Hiragino Kaku Gothic ProN W6" panose="020B0300000000000000" pitchFamily="34" charset="-128"/>
               </a:rPr>
-              <a:t>TraesCS4D02G145400</a:t>
+              <a:t>TraesCS7A02G115400</a:t>
             </a:r>
             <a:endParaRPr lang="en-JP" sz="1200" b="1" dirty="0">
               <a:solidFill>
@@ -21778,47 +21863,12 @@
           <a:chExt cx="0" cy="0"/>
         </a:xfrm>
       </p:grpSpPr>
-      <p:sp>
-        <p:nvSpPr>
-          <p:cNvPr id="5" name="TextBox 4">
-            <a:extLst>
-              <a:ext uri="{FF2B5EF4-FFF2-40B4-BE49-F238E27FC236}">
-                <a16:creationId xmlns:a16="http://schemas.microsoft.com/office/drawing/2014/main" id="{521FDB2D-5323-0240-887B-4E82796FD658}"/>
-              </a:ext>
-            </a:extLst>
-          </p:cNvPr>
-          <p:cNvSpPr txBox="1"/>
-          <p:nvPr/>
-        </p:nvSpPr>
-        <p:spPr>
-          <a:xfrm>
-            <a:off x="62979" y="42443"/>
-            <a:ext cx="1683794" cy="646331"/>
-          </a:xfrm>
-          <a:prstGeom prst="rect">
-            <a:avLst/>
-          </a:prstGeom>
-          <a:noFill/>
-        </p:spPr>
-        <p:txBody>
-          <a:bodyPr wrap="none" rtlCol="0">
-            <a:spAutoFit/>
-          </a:bodyPr>
-          <a:lstStyle/>
-          <a:p>
-            <a:r>
-              <a:rPr lang="en-JP" sz="3600" dirty="0"/>
-              <a:t>Figure 4</a:t>
-            </a:r>
-          </a:p>
-        </p:txBody>
-      </p:sp>
       <p:pic>
         <p:nvPicPr>
-          <p:cNvPr id="6" name="Picture 5">
-            <a:extLst>
-              <a:ext uri="{FF2B5EF4-FFF2-40B4-BE49-F238E27FC236}">
-                <a16:creationId xmlns:a16="http://schemas.microsoft.com/office/drawing/2014/main" id="{F661CAE1-209A-6045-A413-96B2626FBEAD}"/>
+          <p:cNvPr id="4" name="Picture 3" descr="Chart, line chart&#10;&#10;Description automatically generated">
+            <a:extLst>
+              <a:ext uri="{FF2B5EF4-FFF2-40B4-BE49-F238E27FC236}">
+                <a16:creationId xmlns:a16="http://schemas.microsoft.com/office/drawing/2014/main" id="{4DF0D239-3EF3-4C40-B0D7-FE7A3DED04C7}"/>
               </a:ext>
             </a:extLst>
           </p:cNvPr>
@@ -21835,50 +21885,20 @@
         </p:blipFill>
         <p:spPr>
           <a:xfrm>
-            <a:off x="134180" y="1202634"/>
-            <a:ext cx="3042084" cy="2839278"/>
+            <a:off x="270456" y="1020693"/>
+            <a:ext cx="4131073" cy="3717966"/>
           </a:xfrm>
           <a:prstGeom prst="rect">
             <a:avLst/>
           </a:prstGeom>
         </p:spPr>
       </p:pic>
-      <p:pic>
-        <p:nvPicPr>
-          <p:cNvPr id="8" name="Picture 7">
-            <a:extLst>
-              <a:ext uri="{FF2B5EF4-FFF2-40B4-BE49-F238E27FC236}">
-                <a16:creationId xmlns:a16="http://schemas.microsoft.com/office/drawing/2014/main" id="{DADBBB7A-AA87-E34F-B09C-019398EFE3CB}"/>
-              </a:ext>
-            </a:extLst>
-          </p:cNvPr>
-          <p:cNvPicPr>
-            <a:picLocks noChangeAspect="1"/>
-          </p:cNvPicPr>
-          <p:nvPr/>
-        </p:nvPicPr>
-        <p:blipFill>
-          <a:blip r:embed="rId4"/>
-          <a:stretch>
-            <a:fillRect/>
-          </a:stretch>
-        </p:blipFill>
-        <p:spPr>
-          <a:xfrm>
-            <a:off x="3513484" y="1202634"/>
-            <a:ext cx="3042084" cy="2839278"/>
-          </a:xfrm>
-          <a:prstGeom prst="rect">
-            <a:avLst/>
-          </a:prstGeom>
-        </p:spPr>
-      </p:pic>
-      <p:sp>
-        <p:nvSpPr>
-          <p:cNvPr id="10" name="TextBox 9">
-            <a:extLst>
-              <a:ext uri="{FF2B5EF4-FFF2-40B4-BE49-F238E27FC236}">
-                <a16:creationId xmlns:a16="http://schemas.microsoft.com/office/drawing/2014/main" id="{636AB74D-4230-8248-8E0B-4068AC516565}"/>
+      <p:sp>
+        <p:nvSpPr>
+          <p:cNvPr id="5" name="TextBox 4">
+            <a:extLst>
+              <a:ext uri="{FF2B5EF4-FFF2-40B4-BE49-F238E27FC236}">
+                <a16:creationId xmlns:a16="http://schemas.microsoft.com/office/drawing/2014/main" id="{521FDB2D-5323-0240-887B-4E82796FD658}"/>
               </a:ext>
             </a:extLst>
           </p:cNvPr>
@@ -21887,8 +21907,8 @@
         </p:nvSpPr>
         <p:spPr>
           <a:xfrm>
-            <a:off x="60562" y="1233355"/>
-            <a:ext cx="349776" cy="338554"/>
+            <a:off x="62979" y="42443"/>
+            <a:ext cx="1683794" cy="646331"/>
           </a:xfrm>
           <a:prstGeom prst="rect">
             <a:avLst/>
@@ -21902,25 +21922,106 @@
           <a:lstStyle/>
           <a:p>
             <a:r>
-              <a:rPr lang="en-US" sz="1600" b="1" dirty="0">
-                <a:latin typeface="Hiragino Kaku Gothic ProN W6" panose="020B0300000000000000" pitchFamily="34" charset="-128"/>
-                <a:ea typeface="Hiragino Kaku Gothic ProN W6" panose="020B0300000000000000" pitchFamily="34" charset="-128"/>
-              </a:rPr>
-              <a:t>A</a:t>
+              <a:rPr lang="en-JP" sz="3600" dirty="0"/>
+              <a:t>Figure 4</a:t>
             </a:r>
-            <a:endParaRPr lang="en-JP" sz="1600" b="1" dirty="0">
-              <a:latin typeface="Hiragino Kaku Gothic ProN W6" panose="020B0300000000000000" pitchFamily="34" charset="-128"/>
-              <a:ea typeface="Hiragino Kaku Gothic ProN W6" panose="020B0300000000000000" pitchFamily="34" charset="-128"/>
-            </a:endParaRPr>
-          </a:p>
-        </p:txBody>
-      </p:sp>
-      <p:sp>
-        <p:nvSpPr>
-          <p:cNvPr id="11" name="TextBox 10">
-            <a:extLst>
-              <a:ext uri="{FF2B5EF4-FFF2-40B4-BE49-F238E27FC236}">
-                <a16:creationId xmlns:a16="http://schemas.microsoft.com/office/drawing/2014/main" id="{19E9F458-F75F-384B-8167-4DBC7EDF3D24}"/>
+          </a:p>
+        </p:txBody>
+      </p:sp>
+      <p:cxnSp>
+        <p:nvCxnSpPr>
+          <p:cNvPr id="3" name="Straight Connector 2">
+            <a:extLst>
+              <a:ext uri="{FF2B5EF4-FFF2-40B4-BE49-F238E27FC236}">
+                <a16:creationId xmlns:a16="http://schemas.microsoft.com/office/drawing/2014/main" id="{8DE1AA8C-E62D-E749-ACC5-8F1FD172CFF5}"/>
+              </a:ext>
+            </a:extLst>
+          </p:cNvPr>
+          <p:cNvCxnSpPr>
+            <a:cxnSpLocks/>
+          </p:cNvCxnSpPr>
+          <p:nvPr/>
+        </p:nvCxnSpPr>
+        <p:spPr>
+          <a:xfrm>
+            <a:off x="1001976" y="2717231"/>
+            <a:ext cx="276933" cy="0"/>
+          </a:xfrm>
+          <a:prstGeom prst="line">
+            <a:avLst/>
+          </a:prstGeom>
+          <a:ln w="19050">
+            <a:solidFill>
+              <a:srgbClr val="C00000"/>
+            </a:solidFill>
+            <a:prstDash val="sysDot"/>
+          </a:ln>
+        </p:spPr>
+        <p:style>
+          <a:lnRef idx="1">
+            <a:schemeClr val="accent1"/>
+          </a:lnRef>
+          <a:fillRef idx="0">
+            <a:schemeClr val="accent1"/>
+          </a:fillRef>
+          <a:effectRef idx="0">
+            <a:schemeClr val="accent1"/>
+          </a:effectRef>
+          <a:fontRef idx="minor">
+            <a:schemeClr val="tx1"/>
+          </a:fontRef>
+        </p:style>
+      </p:cxnSp>
+      <p:cxnSp>
+        <p:nvCxnSpPr>
+          <p:cNvPr id="8" name="Straight Connector 7">
+            <a:extLst>
+              <a:ext uri="{FF2B5EF4-FFF2-40B4-BE49-F238E27FC236}">
+                <a16:creationId xmlns:a16="http://schemas.microsoft.com/office/drawing/2014/main" id="{1E0C0577-C0E5-1B43-BEA9-F8B1C0EAB2F8}"/>
+              </a:ext>
+            </a:extLst>
+          </p:cNvPr>
+          <p:cNvCxnSpPr>
+            <a:cxnSpLocks/>
+          </p:cNvCxnSpPr>
+          <p:nvPr/>
+        </p:nvCxnSpPr>
+        <p:spPr>
+          <a:xfrm>
+            <a:off x="1278909" y="2712006"/>
+            <a:ext cx="0" cy="1473224"/>
+          </a:xfrm>
+          <a:prstGeom prst="line">
+            <a:avLst/>
+          </a:prstGeom>
+          <a:ln w="19050">
+            <a:solidFill>
+              <a:srgbClr val="C00000"/>
+            </a:solidFill>
+            <a:prstDash val="sysDot"/>
+          </a:ln>
+        </p:spPr>
+        <p:style>
+          <a:lnRef idx="1">
+            <a:schemeClr val="accent1"/>
+          </a:lnRef>
+          <a:fillRef idx="0">
+            <a:schemeClr val="accent1"/>
+          </a:fillRef>
+          <a:effectRef idx="0">
+            <a:schemeClr val="accent1"/>
+          </a:effectRef>
+          <a:fontRef idx="minor">
+            <a:schemeClr val="tx1"/>
+          </a:fontRef>
+        </p:style>
+      </p:cxnSp>
+      <p:sp>
+        <p:nvSpPr>
+          <p:cNvPr id="10" name="TextBox 9">
+            <a:extLst>
+              <a:ext uri="{FF2B5EF4-FFF2-40B4-BE49-F238E27FC236}">
+                <a16:creationId xmlns:a16="http://schemas.microsoft.com/office/drawing/2014/main" id="{BE26639C-6FA9-A845-8A61-1BD9AFB35EE8}"/>
               </a:ext>
             </a:extLst>
           </p:cNvPr>
@@ -21929,8 +22030,8 @@
         </p:nvSpPr>
         <p:spPr>
           <a:xfrm>
-            <a:off x="3452285" y="1233355"/>
-            <a:ext cx="340158" cy="338554"/>
+            <a:off x="1039100" y="4148723"/>
+            <a:ext cx="479618" cy="246221"/>
           </a:xfrm>
           <a:prstGeom prst="rect">
             <a:avLst/>
@@ -21944,23 +22045,16 @@
           <a:lstStyle/>
           <a:p>
             <a:r>
-              <a:rPr lang="en-US" sz="1600" b="1" dirty="0">
-                <a:latin typeface="Hiragino Kaku Gothic ProN W6" panose="020B0300000000000000" pitchFamily="34" charset="-128"/>
-                <a:ea typeface="Hiragino Kaku Gothic ProN W6" panose="020B0300000000000000" pitchFamily="34" charset="-128"/>
-              </a:rPr>
-              <a:t>B</a:t>
+              <a:rPr lang="en-JP" sz="1000" dirty="0"/>
+              <a:t>0.068</a:t>
             </a:r>
-            <a:endParaRPr lang="en-JP" sz="1600" b="1" dirty="0">
-              <a:latin typeface="Hiragino Kaku Gothic ProN W6" panose="020B0300000000000000" pitchFamily="34" charset="-128"/>
-              <a:ea typeface="Hiragino Kaku Gothic ProN W6" panose="020B0300000000000000" pitchFamily="34" charset="-128"/>
-            </a:endParaRPr>
           </a:p>
         </p:txBody>
       </p:sp>
     </p:spTree>
     <p:extLst>
       <p:ext uri="{BB962C8B-B14F-4D97-AF65-F5344CB8AC3E}">
-        <p14:creationId xmlns:p14="http://schemas.microsoft.com/office/powerpoint/2010/main" val="541006944"/>
+        <p14:creationId xmlns:p14="http://schemas.microsoft.com/office/powerpoint/2010/main" val="4158730892"/>
       </p:ext>
     </p:extLst>
   </p:cSld>
@@ -21989,6 +22083,215 @@
       </p:grpSpPr>
       <p:sp>
         <p:nvSpPr>
+          <p:cNvPr id="5" name="TextBox 4">
+            <a:extLst>
+              <a:ext uri="{FF2B5EF4-FFF2-40B4-BE49-F238E27FC236}">
+                <a16:creationId xmlns:a16="http://schemas.microsoft.com/office/drawing/2014/main" id="{521FDB2D-5323-0240-887B-4E82796FD658}"/>
+              </a:ext>
+            </a:extLst>
+          </p:cNvPr>
+          <p:cNvSpPr txBox="1"/>
+          <p:nvPr/>
+        </p:nvSpPr>
+        <p:spPr>
+          <a:xfrm>
+            <a:off x="62979" y="42443"/>
+            <a:ext cx="1683794" cy="646331"/>
+          </a:xfrm>
+          <a:prstGeom prst="rect">
+            <a:avLst/>
+          </a:prstGeom>
+          <a:noFill/>
+        </p:spPr>
+        <p:txBody>
+          <a:bodyPr wrap="none" rtlCol="0">
+            <a:spAutoFit/>
+          </a:bodyPr>
+          <a:lstStyle/>
+          <a:p>
+            <a:r>
+              <a:rPr lang="en-JP" sz="3600" dirty="0"/>
+              <a:t>Figure 5</a:t>
+            </a:r>
+          </a:p>
+        </p:txBody>
+      </p:sp>
+      <p:pic>
+        <p:nvPicPr>
+          <p:cNvPr id="6" name="Picture 5">
+            <a:extLst>
+              <a:ext uri="{FF2B5EF4-FFF2-40B4-BE49-F238E27FC236}">
+                <a16:creationId xmlns:a16="http://schemas.microsoft.com/office/drawing/2014/main" id="{F661CAE1-209A-6045-A413-96B2626FBEAD}"/>
+              </a:ext>
+            </a:extLst>
+          </p:cNvPr>
+          <p:cNvPicPr>
+            <a:picLocks noChangeAspect="1"/>
+          </p:cNvPicPr>
+          <p:nvPr/>
+        </p:nvPicPr>
+        <p:blipFill>
+          <a:blip r:embed="rId3"/>
+          <a:stretch>
+            <a:fillRect/>
+          </a:stretch>
+        </p:blipFill>
+        <p:spPr>
+          <a:xfrm>
+            <a:off x="134180" y="1202634"/>
+            <a:ext cx="3042084" cy="2839278"/>
+          </a:xfrm>
+          <a:prstGeom prst="rect">
+            <a:avLst/>
+          </a:prstGeom>
+        </p:spPr>
+      </p:pic>
+      <p:pic>
+        <p:nvPicPr>
+          <p:cNvPr id="8" name="Picture 7">
+            <a:extLst>
+              <a:ext uri="{FF2B5EF4-FFF2-40B4-BE49-F238E27FC236}">
+                <a16:creationId xmlns:a16="http://schemas.microsoft.com/office/drawing/2014/main" id="{DADBBB7A-AA87-E34F-B09C-019398EFE3CB}"/>
+              </a:ext>
+            </a:extLst>
+          </p:cNvPr>
+          <p:cNvPicPr>
+            <a:picLocks noChangeAspect="1"/>
+          </p:cNvPicPr>
+          <p:nvPr/>
+        </p:nvPicPr>
+        <p:blipFill>
+          <a:blip r:embed="rId4"/>
+          <a:stretch>
+            <a:fillRect/>
+          </a:stretch>
+        </p:blipFill>
+        <p:spPr>
+          <a:xfrm>
+            <a:off x="3513484" y="1202634"/>
+            <a:ext cx="3042084" cy="2839278"/>
+          </a:xfrm>
+          <a:prstGeom prst="rect">
+            <a:avLst/>
+          </a:prstGeom>
+        </p:spPr>
+      </p:pic>
+      <p:sp>
+        <p:nvSpPr>
+          <p:cNvPr id="10" name="TextBox 9">
+            <a:extLst>
+              <a:ext uri="{FF2B5EF4-FFF2-40B4-BE49-F238E27FC236}">
+                <a16:creationId xmlns:a16="http://schemas.microsoft.com/office/drawing/2014/main" id="{636AB74D-4230-8248-8E0B-4068AC516565}"/>
+              </a:ext>
+            </a:extLst>
+          </p:cNvPr>
+          <p:cNvSpPr txBox="1"/>
+          <p:nvPr/>
+        </p:nvSpPr>
+        <p:spPr>
+          <a:xfrm>
+            <a:off x="60562" y="1233355"/>
+            <a:ext cx="349776" cy="338554"/>
+          </a:xfrm>
+          <a:prstGeom prst="rect">
+            <a:avLst/>
+          </a:prstGeom>
+          <a:noFill/>
+        </p:spPr>
+        <p:txBody>
+          <a:bodyPr wrap="none" rtlCol="0">
+            <a:spAutoFit/>
+          </a:bodyPr>
+          <a:lstStyle/>
+          <a:p>
+            <a:r>
+              <a:rPr lang="en-US" sz="1600" b="1" dirty="0">
+                <a:latin typeface="Hiragino Kaku Gothic ProN W6" panose="020B0300000000000000" pitchFamily="34" charset="-128"/>
+                <a:ea typeface="Hiragino Kaku Gothic ProN W6" panose="020B0300000000000000" pitchFamily="34" charset="-128"/>
+              </a:rPr>
+              <a:t>A</a:t>
+            </a:r>
+            <a:endParaRPr lang="en-JP" sz="1600" b="1" dirty="0">
+              <a:latin typeface="Hiragino Kaku Gothic ProN W6" panose="020B0300000000000000" pitchFamily="34" charset="-128"/>
+              <a:ea typeface="Hiragino Kaku Gothic ProN W6" panose="020B0300000000000000" pitchFamily="34" charset="-128"/>
+            </a:endParaRPr>
+          </a:p>
+        </p:txBody>
+      </p:sp>
+      <p:sp>
+        <p:nvSpPr>
+          <p:cNvPr id="11" name="TextBox 10">
+            <a:extLst>
+              <a:ext uri="{FF2B5EF4-FFF2-40B4-BE49-F238E27FC236}">
+                <a16:creationId xmlns:a16="http://schemas.microsoft.com/office/drawing/2014/main" id="{19E9F458-F75F-384B-8167-4DBC7EDF3D24}"/>
+              </a:ext>
+            </a:extLst>
+          </p:cNvPr>
+          <p:cNvSpPr txBox="1"/>
+          <p:nvPr/>
+        </p:nvSpPr>
+        <p:spPr>
+          <a:xfrm>
+            <a:off x="3452285" y="1233355"/>
+            <a:ext cx="340158" cy="338554"/>
+          </a:xfrm>
+          <a:prstGeom prst="rect">
+            <a:avLst/>
+          </a:prstGeom>
+          <a:noFill/>
+        </p:spPr>
+        <p:txBody>
+          <a:bodyPr wrap="none" rtlCol="0">
+            <a:spAutoFit/>
+          </a:bodyPr>
+          <a:lstStyle/>
+          <a:p>
+            <a:r>
+              <a:rPr lang="en-US" sz="1600" b="1" dirty="0">
+                <a:latin typeface="Hiragino Kaku Gothic ProN W6" panose="020B0300000000000000" pitchFamily="34" charset="-128"/>
+                <a:ea typeface="Hiragino Kaku Gothic ProN W6" panose="020B0300000000000000" pitchFamily="34" charset="-128"/>
+              </a:rPr>
+              <a:t>B</a:t>
+            </a:r>
+            <a:endParaRPr lang="en-JP" sz="1600" b="1" dirty="0">
+              <a:latin typeface="Hiragino Kaku Gothic ProN W6" panose="020B0300000000000000" pitchFamily="34" charset="-128"/>
+              <a:ea typeface="Hiragino Kaku Gothic ProN W6" panose="020B0300000000000000" pitchFamily="34" charset="-128"/>
+            </a:endParaRPr>
+          </a:p>
+        </p:txBody>
+      </p:sp>
+    </p:spTree>
+    <p:extLst>
+      <p:ext uri="{BB962C8B-B14F-4D97-AF65-F5344CB8AC3E}">
+        <p14:creationId xmlns:p14="http://schemas.microsoft.com/office/powerpoint/2010/main" val="541006944"/>
+      </p:ext>
+    </p:extLst>
+  </p:cSld>
+  <p:clrMapOvr>
+    <a:masterClrMapping/>
+  </p:clrMapOvr>
+</p:sld>
+</file>
+
+<file path=ppt/slides/slide8.xml><?xml version="1.0" encoding="utf-8"?>
+<p:sld xmlns:a="http://schemas.openxmlformats.org/drawingml/2006/main" xmlns:r="http://schemas.openxmlformats.org/officeDocument/2006/relationships" xmlns:p="http://schemas.openxmlformats.org/presentationml/2006/main">
+  <p:cSld>
+    <p:spTree>
+      <p:nvGrpSpPr>
+        <p:cNvPr id="1" name=""/>
+        <p:cNvGrpSpPr/>
+        <p:nvPr/>
+      </p:nvGrpSpPr>
+      <p:grpSpPr>
+        <a:xfrm>
+          <a:off x="0" y="0"/>
+          <a:ext cx="0" cy="0"/>
+          <a:chOff x="0" y="0"/>
+          <a:chExt cx="0" cy="0"/>
+        </a:xfrm>
+      </p:grpSpPr>
+      <p:sp>
+        <p:nvSpPr>
           <p:cNvPr id="24" name="Rectangle 23">
             <a:extLst>
               <a:ext uri="{FF2B5EF4-FFF2-40B4-BE49-F238E27FC236}">
@@ -23364,7 +23667,7 @@
     </p:spTree>
     <p:extLst>
       <p:ext uri="{BB962C8B-B14F-4D97-AF65-F5344CB8AC3E}">
-        <p14:creationId xmlns:p14="http://schemas.microsoft.com/office/powerpoint/2010/main" val="4158730892"/>
+        <p14:creationId xmlns:p14="http://schemas.microsoft.com/office/powerpoint/2010/main" val="991045924"/>
       </p:ext>
     </p:extLst>
   </p:cSld>
@@ -23374,7 +23677,7 @@
 </p:sld>
 </file>
 
-<file path=ppt/slides/slide8.xml><?xml version="1.0" encoding="utf-8"?>
+<file path=ppt/slides/slide9.xml><?xml version="1.0" encoding="utf-8"?>
 <p:sld xmlns:a="http://schemas.openxmlformats.org/drawingml/2006/main" xmlns:r="http://schemas.openxmlformats.org/officeDocument/2006/relationships" xmlns:p="http://schemas.openxmlformats.org/presentationml/2006/main">
   <p:cSld>
     <p:spTree>
